--- a/performance_tricks_gpu_optimization/performance_tricks.pptx
+++ b/performance_tricks_gpu_optimization/performance_tricks.pptx
@@ -5,7 +5,7 @@
     <p:sldMasterId id="2147483674" r:id="rId4"/>
   </p:sldMasterIdLst>
   <p:notesMasterIdLst>
-    <p:notesMasterId r:id="rId23"/>
+    <p:notesMasterId r:id="rId24"/>
   </p:notesMasterIdLst>
   <p:sldIdLst>
     <p:sldId id="285" r:id="rId5"/>
@@ -19,13 +19,14 @@
     <p:sldId id="318" r:id="rId13"/>
     <p:sldId id="312" r:id="rId14"/>
     <p:sldId id="313" r:id="rId15"/>
-    <p:sldId id="314" r:id="rId16"/>
-    <p:sldId id="350" r:id="rId17"/>
-    <p:sldId id="316" r:id="rId18"/>
-    <p:sldId id="345" r:id="rId19"/>
-    <p:sldId id="346" r:id="rId20"/>
-    <p:sldId id="319" r:id="rId21"/>
-    <p:sldId id="349" r:id="rId22"/>
+    <p:sldId id="316" r:id="rId16"/>
+    <p:sldId id="345" r:id="rId17"/>
+    <p:sldId id="346" r:id="rId18"/>
+    <p:sldId id="352" r:id="rId19"/>
+    <p:sldId id="314" r:id="rId20"/>
+    <p:sldId id="350" r:id="rId21"/>
+    <p:sldId id="319" r:id="rId22"/>
+    <p:sldId id="349" r:id="rId23"/>
   </p:sldIdLst>
   <p:sldSz cx="9144000" cy="5143500" type="screen16x9"/>
   <p:notesSz cx="6858000" cy="9144000"/>
@@ -362,7 +363,7 @@
             <a:fld id="{0B25AC41-3BEC-9247-8322-91B80C013F2D}" type="datetimeFigureOut">
               <a:rPr lang="en-US" smtClean="0"/>
               <a:pPr/>
-              <a:t>12/9/18</a:t>
+              <a:t>12/11/18</a:t>
             </a:fld>
             <a:endParaRPr lang="en-US" dirty="0"/>
           </a:p>
@@ -5854,6 +5855,1017 @@
           <a:p>
             <a:pPr algn="ctr"/>
             <a:r>
+              <a:rPr lang="en-US" b="1" dirty="0">
+                <a:solidFill>
+                  <a:schemeClr val="tx1">
+                    <a:lumMod val="20000"/>
+                    <a:lumOff val="80000"/>
+                  </a:schemeClr>
+                </a:solidFill>
+              </a:rPr>
+              <a:t>Execution engine</a:t>
+            </a:r>
+          </a:p>
+          <a:p>
+            <a:pPr algn="ctr"/>
+            <a:endParaRPr lang="en-US" dirty="0"/>
+          </a:p>
+          <a:p>
+            <a:pPr algn="ctr"/>
+            <a:r>
+              <a:rPr lang="en-US" dirty="0"/>
+              <a:t>Imperative → Symbolic  </a:t>
+            </a:r>
+            <a:r>
+              <a:rPr lang="en-US" dirty="0">
+                <a:solidFill>
+                  <a:srgbClr val="FF0000"/>
+                </a:solidFill>
+              </a:rPr>
+              <a:t>(2.41x)</a:t>
+            </a:r>
+          </a:p>
+          <a:p>
+            <a:pPr algn="ctr"/>
+            <a:endParaRPr lang="en-US" dirty="0"/>
+          </a:p>
+          <a:p>
+            <a:pPr algn="ctr"/>
+            <a:r>
+              <a:rPr lang="en-US" dirty="0" err="1">
+                <a:solidFill>
+                  <a:schemeClr val="bg1">
+                    <a:lumMod val="75000"/>
+                  </a:schemeClr>
+                </a:solidFill>
+                <a:latin typeface="Courier" pitchFamily="2" charset="0"/>
+              </a:rPr>
+              <a:t>net.hybridize</a:t>
+            </a:r>
+            <a:r>
+              <a:rPr lang="en-US" dirty="0">
+                <a:solidFill>
+                  <a:schemeClr val="bg1">
+                    <a:lumMod val="75000"/>
+                  </a:schemeClr>
+                </a:solidFill>
+                <a:latin typeface="Courier" pitchFamily="2" charset="0"/>
+              </a:rPr>
+              <a:t>()</a:t>
+            </a:r>
+          </a:p>
+        </p:txBody>
+      </p:sp>
+    </p:spTree>
+    <p:extLst>
+      <p:ext uri="{BB962C8B-B14F-4D97-AF65-F5344CB8AC3E}">
+        <p14:creationId xmlns:p14="http://schemas.microsoft.com/office/powerpoint/2010/main" val="3081296414"/>
+      </p:ext>
+    </p:extLst>
+  </p:cSld>
+  <p:clrMapOvr>
+    <a:masterClrMapping/>
+  </p:clrMapOvr>
+</p:sld>
+</file>
+
+<file path=ppt/slides/slide13.xml><?xml version="1.0" encoding="utf-8"?>
+<p:sld xmlns:a="http://schemas.openxmlformats.org/drawingml/2006/main" xmlns:r="http://schemas.openxmlformats.org/officeDocument/2006/relationships" xmlns:p="http://schemas.openxmlformats.org/presentationml/2006/main">
+  <p:cSld>
+    <p:spTree>
+      <p:nvGrpSpPr>
+        <p:cNvPr id="1" name=""/>
+        <p:cNvGrpSpPr/>
+        <p:nvPr/>
+      </p:nvGrpSpPr>
+      <p:grpSpPr>
+        <a:xfrm>
+          <a:off x="0" y="0"/>
+          <a:ext cx="0" cy="0"/>
+          <a:chOff x="0" y="0"/>
+          <a:chExt cx="0" cy="0"/>
+        </a:xfrm>
+      </p:grpSpPr>
+      <p:sp>
+        <p:nvSpPr>
+          <p:cNvPr id="3" name="Content Placeholder 2">
+            <a:extLst>
+              <a:ext uri="{FF2B5EF4-FFF2-40B4-BE49-F238E27FC236}">
+                <a16:creationId xmlns:a16="http://schemas.microsoft.com/office/drawing/2014/main" id="{8BBFC114-F6F9-AF45-A139-6F55B149E3E6}"/>
+              </a:ext>
+            </a:extLst>
+          </p:cNvPr>
+          <p:cNvSpPr txBox="1">
+            <a:spLocks/>
+          </p:cNvSpPr>
+          <p:nvPr/>
+        </p:nvSpPr>
+        <p:spPr>
+          <a:xfrm>
+            <a:off x="691633" y="691461"/>
+            <a:ext cx="8205304" cy="3553926"/>
+          </a:xfrm>
+          <a:prstGeom prst="rect">
+            <a:avLst/>
+          </a:prstGeom>
+        </p:spPr>
+        <p:txBody>
+          <a:bodyPr anchor="ctr"/>
+          <a:lstStyle>
+            <a:lvl1pPr marL="0" indent="0" algn="l" defTabSz="457200" rtl="0" eaLnBrk="1" latinLnBrk="0" hangingPunct="1">
+              <a:spcBef>
+                <a:spcPct val="20000"/>
+              </a:spcBef>
+              <a:buFontTx/>
+              <a:buNone/>
+              <a:defRPr sz="2400" b="0" i="0" kern="1200">
+                <a:solidFill>
+                  <a:schemeClr val="bg1"/>
+                </a:solidFill>
+                <a:latin typeface="Amazon Ember Regular" charset="0"/>
+                <a:ea typeface="+mn-ea"/>
+                <a:cs typeface="Amazon Ember Regular" charset="0"/>
+              </a:defRPr>
+            </a:lvl1pPr>
+            <a:lvl2pPr marL="742950" indent="-285750" algn="l" defTabSz="457200" rtl="0" eaLnBrk="1" latinLnBrk="0" hangingPunct="1">
+              <a:spcBef>
+                <a:spcPct val="20000"/>
+              </a:spcBef>
+              <a:buFont typeface="Arial"/>
+              <a:buChar char="•"/>
+              <a:defRPr sz="2000" b="0" i="0" kern="1200">
+                <a:solidFill>
+                  <a:schemeClr val="bg1"/>
+                </a:solidFill>
+                <a:latin typeface="Amazon Ember Regular" charset="0"/>
+                <a:ea typeface="+mn-ea"/>
+                <a:cs typeface="Amazon Ember Regular" charset="0"/>
+              </a:defRPr>
+            </a:lvl2pPr>
+            <a:lvl3pPr marL="1143000" indent="-228600" algn="l" defTabSz="457200" rtl="0" eaLnBrk="1" latinLnBrk="0" hangingPunct="1">
+              <a:spcBef>
+                <a:spcPct val="20000"/>
+              </a:spcBef>
+              <a:buFont typeface="Arial"/>
+              <a:buChar char="•"/>
+              <a:defRPr sz="1800" b="0" i="0" kern="1200">
+                <a:solidFill>
+                  <a:schemeClr val="bg1"/>
+                </a:solidFill>
+                <a:latin typeface="Amazon Ember Regular" charset="0"/>
+                <a:ea typeface="+mn-ea"/>
+                <a:cs typeface="Amazon Ember Regular" charset="0"/>
+              </a:defRPr>
+            </a:lvl3pPr>
+            <a:lvl4pPr marL="1600200" indent="-228600" algn="l" defTabSz="457200" rtl="0" eaLnBrk="1" latinLnBrk="0" hangingPunct="1">
+              <a:spcBef>
+                <a:spcPct val="20000"/>
+              </a:spcBef>
+              <a:buFont typeface="Arial"/>
+              <a:buChar char="–"/>
+              <a:defRPr sz="1600" b="0" i="0" kern="1200">
+                <a:solidFill>
+                  <a:schemeClr val="bg1"/>
+                </a:solidFill>
+                <a:latin typeface="Amazon Ember Regular" charset="0"/>
+                <a:ea typeface="+mn-ea"/>
+                <a:cs typeface="Amazon Ember Regular" charset="0"/>
+              </a:defRPr>
+            </a:lvl4pPr>
+            <a:lvl5pPr marL="2057400" indent="-228600" algn="l" defTabSz="457200" rtl="0" eaLnBrk="1" latinLnBrk="0" hangingPunct="1">
+              <a:spcBef>
+                <a:spcPct val="20000"/>
+              </a:spcBef>
+              <a:buFont typeface="Arial"/>
+              <a:buChar char="»"/>
+              <a:defRPr sz="1600" b="0" i="0" kern="1200">
+                <a:solidFill>
+                  <a:schemeClr val="bg1"/>
+                </a:solidFill>
+                <a:latin typeface="Amazon Ember Regular" charset="0"/>
+                <a:ea typeface="+mn-ea"/>
+                <a:cs typeface="Amazon Ember Regular" charset="0"/>
+              </a:defRPr>
+            </a:lvl5pPr>
+            <a:lvl6pPr marL="2514600" indent="-228600" algn="l" defTabSz="457200" rtl="0" eaLnBrk="1" latinLnBrk="0" hangingPunct="1">
+              <a:spcBef>
+                <a:spcPct val="20000"/>
+              </a:spcBef>
+              <a:buFont typeface="Arial"/>
+              <a:buChar char="•"/>
+              <a:defRPr sz="2000" kern="1200">
+                <a:solidFill>
+                  <a:schemeClr val="tx1"/>
+                </a:solidFill>
+                <a:latin typeface="+mn-lt"/>
+                <a:ea typeface="+mn-ea"/>
+                <a:cs typeface="+mn-cs"/>
+              </a:defRPr>
+            </a:lvl6pPr>
+            <a:lvl7pPr marL="2971800" indent="-228600" algn="l" defTabSz="457200" rtl="0" eaLnBrk="1" latinLnBrk="0" hangingPunct="1">
+              <a:spcBef>
+                <a:spcPct val="20000"/>
+              </a:spcBef>
+              <a:buFont typeface="Arial"/>
+              <a:buChar char="•"/>
+              <a:defRPr sz="2000" kern="1200">
+                <a:solidFill>
+                  <a:schemeClr val="tx1"/>
+                </a:solidFill>
+                <a:latin typeface="+mn-lt"/>
+                <a:ea typeface="+mn-ea"/>
+                <a:cs typeface="+mn-cs"/>
+              </a:defRPr>
+            </a:lvl7pPr>
+            <a:lvl8pPr marL="3429000" indent="-228600" algn="l" defTabSz="457200" rtl="0" eaLnBrk="1" latinLnBrk="0" hangingPunct="1">
+              <a:spcBef>
+                <a:spcPct val="20000"/>
+              </a:spcBef>
+              <a:buFont typeface="Arial"/>
+              <a:buChar char="•"/>
+              <a:defRPr sz="2000" kern="1200">
+                <a:solidFill>
+                  <a:schemeClr val="tx1"/>
+                </a:solidFill>
+                <a:latin typeface="+mn-lt"/>
+                <a:ea typeface="+mn-ea"/>
+                <a:cs typeface="+mn-cs"/>
+              </a:defRPr>
+            </a:lvl8pPr>
+            <a:lvl9pPr marL="3886200" indent="-228600" algn="l" defTabSz="457200" rtl="0" eaLnBrk="1" latinLnBrk="0" hangingPunct="1">
+              <a:spcBef>
+                <a:spcPct val="20000"/>
+              </a:spcBef>
+              <a:buFont typeface="Arial"/>
+              <a:buChar char="•"/>
+              <a:defRPr sz="2000" kern="1200">
+                <a:solidFill>
+                  <a:schemeClr val="tx1"/>
+                </a:solidFill>
+                <a:latin typeface="+mn-lt"/>
+                <a:ea typeface="+mn-ea"/>
+                <a:cs typeface="+mn-cs"/>
+              </a:defRPr>
+            </a:lvl9pPr>
+          </a:lstStyle>
+          <a:p>
+            <a:pPr algn="ctr"/>
+            <a:r>
+              <a:rPr lang="en-US" b="1" dirty="0">
+                <a:solidFill>
+                  <a:schemeClr val="tx1">
+                    <a:lumMod val="20000"/>
+                    <a:lumOff val="80000"/>
+                  </a:schemeClr>
+                </a:solidFill>
+              </a:rPr>
+              <a:t>Hyperparameters</a:t>
+            </a:r>
+          </a:p>
+          <a:p>
+            <a:pPr algn="ctr"/>
+            <a:endParaRPr lang="en-US" dirty="0"/>
+          </a:p>
+          <a:p>
+            <a:pPr algn="ctr"/>
+            <a:r>
+              <a:rPr lang="en-US" dirty="0" err="1"/>
+              <a:t>Batchsize</a:t>
+            </a:r>
+            <a:r>
+              <a:rPr lang="en-US" dirty="0"/>
+              <a:t>  </a:t>
+            </a:r>
+            <a:r>
+              <a:rPr lang="en-US" dirty="0">
+                <a:solidFill>
+                  <a:srgbClr val="FF0000"/>
+                </a:solidFill>
+              </a:rPr>
+              <a:t>(2.56x)</a:t>
+            </a:r>
+          </a:p>
+          <a:p>
+            <a:pPr algn="ctr"/>
+            <a:endParaRPr lang="en-US" dirty="0"/>
+          </a:p>
+        </p:txBody>
+      </p:sp>
+    </p:spTree>
+    <p:extLst>
+      <p:ext uri="{BB962C8B-B14F-4D97-AF65-F5344CB8AC3E}">
+        <p14:creationId xmlns:p14="http://schemas.microsoft.com/office/powerpoint/2010/main" val="361582982"/>
+      </p:ext>
+    </p:extLst>
+  </p:cSld>
+  <p:clrMapOvr>
+    <a:masterClrMapping/>
+  </p:clrMapOvr>
+</p:sld>
+</file>
+
+<file path=ppt/slides/slide14.xml><?xml version="1.0" encoding="utf-8"?>
+<p:sld xmlns:a="http://schemas.openxmlformats.org/drawingml/2006/main" xmlns:r="http://schemas.openxmlformats.org/officeDocument/2006/relationships" xmlns:p="http://schemas.openxmlformats.org/presentationml/2006/main">
+  <p:cSld>
+    <p:spTree>
+      <p:nvGrpSpPr>
+        <p:cNvPr id="1" name=""/>
+        <p:cNvGrpSpPr/>
+        <p:nvPr/>
+      </p:nvGrpSpPr>
+      <p:grpSpPr>
+        <a:xfrm>
+          <a:off x="0" y="0"/>
+          <a:ext cx="0" cy="0"/>
+          <a:chOff x="0" y="0"/>
+          <a:chExt cx="0" cy="0"/>
+        </a:xfrm>
+      </p:grpSpPr>
+      <p:sp>
+        <p:nvSpPr>
+          <p:cNvPr id="3" name="Content Placeholder 2">
+            <a:extLst>
+              <a:ext uri="{FF2B5EF4-FFF2-40B4-BE49-F238E27FC236}">
+                <a16:creationId xmlns:a16="http://schemas.microsoft.com/office/drawing/2014/main" id="{A95AABEF-8F4A-2143-AFAA-B1DC06C24361}"/>
+              </a:ext>
+            </a:extLst>
+          </p:cNvPr>
+          <p:cNvSpPr txBox="1">
+            <a:spLocks/>
+          </p:cNvSpPr>
+          <p:nvPr/>
+        </p:nvSpPr>
+        <p:spPr>
+          <a:xfrm>
+            <a:off x="-2124719" y="600021"/>
+            <a:ext cx="8205304" cy="3553926"/>
+          </a:xfrm>
+          <a:prstGeom prst="rect">
+            <a:avLst/>
+          </a:prstGeom>
+        </p:spPr>
+        <p:txBody>
+          <a:bodyPr anchor="ctr"/>
+          <a:lstStyle>
+            <a:lvl1pPr marL="0" indent="0" algn="l" defTabSz="457200" rtl="0" eaLnBrk="1" latinLnBrk="0" hangingPunct="1">
+              <a:spcBef>
+                <a:spcPct val="20000"/>
+              </a:spcBef>
+              <a:buFontTx/>
+              <a:buNone/>
+              <a:defRPr sz="2400" b="0" i="0" kern="1200">
+                <a:solidFill>
+                  <a:schemeClr val="bg1"/>
+                </a:solidFill>
+                <a:latin typeface="Amazon Ember Regular" charset="0"/>
+                <a:ea typeface="+mn-ea"/>
+                <a:cs typeface="Amazon Ember Regular" charset="0"/>
+              </a:defRPr>
+            </a:lvl1pPr>
+            <a:lvl2pPr marL="742950" indent="-285750" algn="l" defTabSz="457200" rtl="0" eaLnBrk="1" latinLnBrk="0" hangingPunct="1">
+              <a:spcBef>
+                <a:spcPct val="20000"/>
+              </a:spcBef>
+              <a:buFont typeface="Arial"/>
+              <a:buChar char="•"/>
+              <a:defRPr sz="2000" b="0" i="0" kern="1200">
+                <a:solidFill>
+                  <a:schemeClr val="bg1"/>
+                </a:solidFill>
+                <a:latin typeface="Amazon Ember Regular" charset="0"/>
+                <a:ea typeface="+mn-ea"/>
+                <a:cs typeface="Amazon Ember Regular" charset="0"/>
+              </a:defRPr>
+            </a:lvl2pPr>
+            <a:lvl3pPr marL="1143000" indent="-228600" algn="l" defTabSz="457200" rtl="0" eaLnBrk="1" latinLnBrk="0" hangingPunct="1">
+              <a:spcBef>
+                <a:spcPct val="20000"/>
+              </a:spcBef>
+              <a:buFont typeface="Arial"/>
+              <a:buChar char="•"/>
+              <a:defRPr sz="1800" b="0" i="0" kern="1200">
+                <a:solidFill>
+                  <a:schemeClr val="bg1"/>
+                </a:solidFill>
+                <a:latin typeface="Amazon Ember Regular" charset="0"/>
+                <a:ea typeface="+mn-ea"/>
+                <a:cs typeface="Amazon Ember Regular" charset="0"/>
+              </a:defRPr>
+            </a:lvl3pPr>
+            <a:lvl4pPr marL="1600200" indent="-228600" algn="l" defTabSz="457200" rtl="0" eaLnBrk="1" latinLnBrk="0" hangingPunct="1">
+              <a:spcBef>
+                <a:spcPct val="20000"/>
+              </a:spcBef>
+              <a:buFont typeface="Arial"/>
+              <a:buChar char="–"/>
+              <a:defRPr sz="1600" b="0" i="0" kern="1200">
+                <a:solidFill>
+                  <a:schemeClr val="bg1"/>
+                </a:solidFill>
+                <a:latin typeface="Amazon Ember Regular" charset="0"/>
+                <a:ea typeface="+mn-ea"/>
+                <a:cs typeface="Amazon Ember Regular" charset="0"/>
+              </a:defRPr>
+            </a:lvl4pPr>
+            <a:lvl5pPr marL="2057400" indent="-228600" algn="l" defTabSz="457200" rtl="0" eaLnBrk="1" latinLnBrk="0" hangingPunct="1">
+              <a:spcBef>
+                <a:spcPct val="20000"/>
+              </a:spcBef>
+              <a:buFont typeface="Arial"/>
+              <a:buChar char="»"/>
+              <a:defRPr sz="1600" b="0" i="0" kern="1200">
+                <a:solidFill>
+                  <a:schemeClr val="bg1"/>
+                </a:solidFill>
+                <a:latin typeface="Amazon Ember Regular" charset="0"/>
+                <a:ea typeface="+mn-ea"/>
+                <a:cs typeface="Amazon Ember Regular" charset="0"/>
+              </a:defRPr>
+            </a:lvl5pPr>
+            <a:lvl6pPr marL="2514600" indent="-228600" algn="l" defTabSz="457200" rtl="0" eaLnBrk="1" latinLnBrk="0" hangingPunct="1">
+              <a:spcBef>
+                <a:spcPct val="20000"/>
+              </a:spcBef>
+              <a:buFont typeface="Arial"/>
+              <a:buChar char="•"/>
+              <a:defRPr sz="2000" kern="1200">
+                <a:solidFill>
+                  <a:schemeClr val="tx1"/>
+                </a:solidFill>
+                <a:latin typeface="+mn-lt"/>
+                <a:ea typeface="+mn-ea"/>
+                <a:cs typeface="+mn-cs"/>
+              </a:defRPr>
+            </a:lvl6pPr>
+            <a:lvl7pPr marL="2971800" indent="-228600" algn="l" defTabSz="457200" rtl="0" eaLnBrk="1" latinLnBrk="0" hangingPunct="1">
+              <a:spcBef>
+                <a:spcPct val="20000"/>
+              </a:spcBef>
+              <a:buFont typeface="Arial"/>
+              <a:buChar char="•"/>
+              <a:defRPr sz="2000" kern="1200">
+                <a:solidFill>
+                  <a:schemeClr val="tx1"/>
+                </a:solidFill>
+                <a:latin typeface="+mn-lt"/>
+                <a:ea typeface="+mn-ea"/>
+                <a:cs typeface="+mn-cs"/>
+              </a:defRPr>
+            </a:lvl7pPr>
+            <a:lvl8pPr marL="3429000" indent="-228600" algn="l" defTabSz="457200" rtl="0" eaLnBrk="1" latinLnBrk="0" hangingPunct="1">
+              <a:spcBef>
+                <a:spcPct val="20000"/>
+              </a:spcBef>
+              <a:buFont typeface="Arial"/>
+              <a:buChar char="•"/>
+              <a:defRPr sz="2000" kern="1200">
+                <a:solidFill>
+                  <a:schemeClr val="tx1"/>
+                </a:solidFill>
+                <a:latin typeface="+mn-lt"/>
+                <a:ea typeface="+mn-ea"/>
+                <a:cs typeface="+mn-cs"/>
+              </a:defRPr>
+            </a:lvl8pPr>
+            <a:lvl9pPr marL="3886200" indent="-228600" algn="l" defTabSz="457200" rtl="0" eaLnBrk="1" latinLnBrk="0" hangingPunct="1">
+              <a:spcBef>
+                <a:spcPct val="20000"/>
+              </a:spcBef>
+              <a:buFont typeface="Arial"/>
+              <a:buChar char="•"/>
+              <a:defRPr sz="2000" kern="1200">
+                <a:solidFill>
+                  <a:schemeClr val="tx1"/>
+                </a:solidFill>
+                <a:latin typeface="+mn-lt"/>
+                <a:ea typeface="+mn-ea"/>
+                <a:cs typeface="+mn-cs"/>
+              </a:defRPr>
+            </a:lvl9pPr>
+          </a:lstStyle>
+          <a:p>
+            <a:pPr algn="ctr"/>
+            <a:r>
+              <a:rPr lang="en-US" b="1" dirty="0">
+                <a:solidFill>
+                  <a:schemeClr val="tx1">
+                    <a:lumMod val="20000"/>
+                    <a:lumOff val="80000"/>
+                  </a:schemeClr>
+                </a:solidFill>
+              </a:rPr>
+              <a:t>Optimizer</a:t>
+            </a:r>
+          </a:p>
+          <a:p>
+            <a:pPr algn="ctr"/>
+            <a:endParaRPr lang="en-US" dirty="0"/>
+          </a:p>
+          <a:p>
+            <a:pPr algn="ctr"/>
+            <a:r>
+              <a:rPr lang="en-US" dirty="0"/>
+              <a:t>Performance: </a:t>
+            </a:r>
+          </a:p>
+          <a:p>
+            <a:pPr algn="ctr"/>
+            <a:r>
+              <a:rPr lang="en-US" dirty="0"/>
+              <a:t>Time to accuracy</a:t>
+            </a:r>
+          </a:p>
+          <a:p>
+            <a:pPr algn="ctr"/>
+            <a:endParaRPr lang="en-US" dirty="0"/>
+          </a:p>
+        </p:txBody>
+      </p:sp>
+      <p:pic>
+        <p:nvPicPr>
+          <p:cNvPr id="4" name="Picture 3">
+            <a:extLst>
+              <a:ext uri="{FF2B5EF4-FFF2-40B4-BE49-F238E27FC236}">
+                <a16:creationId xmlns:a16="http://schemas.microsoft.com/office/drawing/2014/main" id="{0AD6BB19-282E-9E4F-A05A-61B4EE7EF91F}"/>
+              </a:ext>
+            </a:extLst>
+          </p:cNvPr>
+          <p:cNvPicPr>
+            <a:picLocks noChangeAspect="1"/>
+          </p:cNvPicPr>
+          <p:nvPr/>
+        </p:nvPicPr>
+        <p:blipFill>
+          <a:blip r:embed="rId2"/>
+          <a:stretch>
+            <a:fillRect/>
+          </a:stretch>
+        </p:blipFill>
+        <p:spPr>
+          <a:xfrm>
+            <a:off x="3981229" y="-9208"/>
+            <a:ext cx="5162771" cy="5152708"/>
+          </a:xfrm>
+          <a:prstGeom prst="rect">
+            <a:avLst/>
+          </a:prstGeom>
+        </p:spPr>
+      </p:pic>
+    </p:spTree>
+    <p:extLst>
+      <p:ext uri="{BB962C8B-B14F-4D97-AF65-F5344CB8AC3E}">
+        <p14:creationId xmlns:p14="http://schemas.microsoft.com/office/powerpoint/2010/main" val="3333463232"/>
+      </p:ext>
+    </p:extLst>
+  </p:cSld>
+  <p:clrMapOvr>
+    <a:masterClrMapping/>
+  </p:clrMapOvr>
+</p:sld>
+</file>
+
+<file path=ppt/slides/slide15.xml><?xml version="1.0" encoding="utf-8"?>
+<p:sld xmlns:a="http://schemas.openxmlformats.org/drawingml/2006/main" xmlns:r="http://schemas.openxmlformats.org/officeDocument/2006/relationships" xmlns:p="http://schemas.openxmlformats.org/presentationml/2006/main">
+  <p:cSld>
+    <p:spTree>
+      <p:nvGrpSpPr>
+        <p:cNvPr id="1" name=""/>
+        <p:cNvGrpSpPr/>
+        <p:nvPr/>
+      </p:nvGrpSpPr>
+      <p:grpSpPr>
+        <a:xfrm>
+          <a:off x="0" y="0"/>
+          <a:ext cx="0" cy="0"/>
+          <a:chOff x="0" y="0"/>
+          <a:chExt cx="0" cy="0"/>
+        </a:xfrm>
+      </p:grpSpPr>
+      <p:sp>
+        <p:nvSpPr>
+          <p:cNvPr id="3" name="Content Placeholder 2">
+            <a:extLst>
+              <a:ext uri="{FF2B5EF4-FFF2-40B4-BE49-F238E27FC236}">
+                <a16:creationId xmlns:a16="http://schemas.microsoft.com/office/drawing/2014/main" id="{A95AABEF-8F4A-2143-AFAA-B1DC06C24361}"/>
+              </a:ext>
+            </a:extLst>
+          </p:cNvPr>
+          <p:cNvSpPr txBox="1">
+            <a:spLocks/>
+          </p:cNvSpPr>
+          <p:nvPr/>
+        </p:nvSpPr>
+        <p:spPr>
+          <a:xfrm>
+            <a:off x="-2124719" y="600021"/>
+            <a:ext cx="8205304" cy="3553926"/>
+          </a:xfrm>
+          <a:prstGeom prst="rect">
+            <a:avLst/>
+          </a:prstGeom>
+        </p:spPr>
+        <p:txBody>
+          <a:bodyPr anchor="ctr"/>
+          <a:lstStyle>
+            <a:lvl1pPr marL="0" indent="0" algn="l" defTabSz="457200" rtl="0" eaLnBrk="1" latinLnBrk="0" hangingPunct="1">
+              <a:spcBef>
+                <a:spcPct val="20000"/>
+              </a:spcBef>
+              <a:buFontTx/>
+              <a:buNone/>
+              <a:defRPr sz="2400" b="0" i="0" kern="1200">
+                <a:solidFill>
+                  <a:schemeClr val="bg1"/>
+                </a:solidFill>
+                <a:latin typeface="Amazon Ember Regular" charset="0"/>
+                <a:ea typeface="+mn-ea"/>
+                <a:cs typeface="Amazon Ember Regular" charset="0"/>
+              </a:defRPr>
+            </a:lvl1pPr>
+            <a:lvl2pPr marL="742950" indent="-285750" algn="l" defTabSz="457200" rtl="0" eaLnBrk="1" latinLnBrk="0" hangingPunct="1">
+              <a:spcBef>
+                <a:spcPct val="20000"/>
+              </a:spcBef>
+              <a:buFont typeface="Arial"/>
+              <a:buChar char="•"/>
+              <a:defRPr sz="2000" b="0" i="0" kern="1200">
+                <a:solidFill>
+                  <a:schemeClr val="bg1"/>
+                </a:solidFill>
+                <a:latin typeface="Amazon Ember Regular" charset="0"/>
+                <a:ea typeface="+mn-ea"/>
+                <a:cs typeface="Amazon Ember Regular" charset="0"/>
+              </a:defRPr>
+            </a:lvl2pPr>
+            <a:lvl3pPr marL="1143000" indent="-228600" algn="l" defTabSz="457200" rtl="0" eaLnBrk="1" latinLnBrk="0" hangingPunct="1">
+              <a:spcBef>
+                <a:spcPct val="20000"/>
+              </a:spcBef>
+              <a:buFont typeface="Arial"/>
+              <a:buChar char="•"/>
+              <a:defRPr sz="1800" b="0" i="0" kern="1200">
+                <a:solidFill>
+                  <a:schemeClr val="bg1"/>
+                </a:solidFill>
+                <a:latin typeface="Amazon Ember Regular" charset="0"/>
+                <a:ea typeface="+mn-ea"/>
+                <a:cs typeface="Amazon Ember Regular" charset="0"/>
+              </a:defRPr>
+            </a:lvl3pPr>
+            <a:lvl4pPr marL="1600200" indent="-228600" algn="l" defTabSz="457200" rtl="0" eaLnBrk="1" latinLnBrk="0" hangingPunct="1">
+              <a:spcBef>
+                <a:spcPct val="20000"/>
+              </a:spcBef>
+              <a:buFont typeface="Arial"/>
+              <a:buChar char="–"/>
+              <a:defRPr sz="1600" b="0" i="0" kern="1200">
+                <a:solidFill>
+                  <a:schemeClr val="bg1"/>
+                </a:solidFill>
+                <a:latin typeface="Amazon Ember Regular" charset="0"/>
+                <a:ea typeface="+mn-ea"/>
+                <a:cs typeface="Amazon Ember Regular" charset="0"/>
+              </a:defRPr>
+            </a:lvl4pPr>
+            <a:lvl5pPr marL="2057400" indent="-228600" algn="l" defTabSz="457200" rtl="0" eaLnBrk="1" latinLnBrk="0" hangingPunct="1">
+              <a:spcBef>
+                <a:spcPct val="20000"/>
+              </a:spcBef>
+              <a:buFont typeface="Arial"/>
+              <a:buChar char="»"/>
+              <a:defRPr sz="1600" b="0" i="0" kern="1200">
+                <a:solidFill>
+                  <a:schemeClr val="bg1"/>
+                </a:solidFill>
+                <a:latin typeface="Amazon Ember Regular" charset="0"/>
+                <a:ea typeface="+mn-ea"/>
+                <a:cs typeface="Amazon Ember Regular" charset="0"/>
+              </a:defRPr>
+            </a:lvl5pPr>
+            <a:lvl6pPr marL="2514600" indent="-228600" algn="l" defTabSz="457200" rtl="0" eaLnBrk="1" latinLnBrk="0" hangingPunct="1">
+              <a:spcBef>
+                <a:spcPct val="20000"/>
+              </a:spcBef>
+              <a:buFont typeface="Arial"/>
+              <a:buChar char="•"/>
+              <a:defRPr sz="2000" kern="1200">
+                <a:solidFill>
+                  <a:schemeClr val="tx1"/>
+                </a:solidFill>
+                <a:latin typeface="+mn-lt"/>
+                <a:ea typeface="+mn-ea"/>
+                <a:cs typeface="+mn-cs"/>
+              </a:defRPr>
+            </a:lvl6pPr>
+            <a:lvl7pPr marL="2971800" indent="-228600" algn="l" defTabSz="457200" rtl="0" eaLnBrk="1" latinLnBrk="0" hangingPunct="1">
+              <a:spcBef>
+                <a:spcPct val="20000"/>
+              </a:spcBef>
+              <a:buFont typeface="Arial"/>
+              <a:buChar char="•"/>
+              <a:defRPr sz="2000" kern="1200">
+                <a:solidFill>
+                  <a:schemeClr val="tx1"/>
+                </a:solidFill>
+                <a:latin typeface="+mn-lt"/>
+                <a:ea typeface="+mn-ea"/>
+                <a:cs typeface="+mn-cs"/>
+              </a:defRPr>
+            </a:lvl7pPr>
+            <a:lvl8pPr marL="3429000" indent="-228600" algn="l" defTabSz="457200" rtl="0" eaLnBrk="1" latinLnBrk="0" hangingPunct="1">
+              <a:spcBef>
+                <a:spcPct val="20000"/>
+              </a:spcBef>
+              <a:buFont typeface="Arial"/>
+              <a:buChar char="•"/>
+              <a:defRPr sz="2000" kern="1200">
+                <a:solidFill>
+                  <a:schemeClr val="tx1"/>
+                </a:solidFill>
+                <a:latin typeface="+mn-lt"/>
+                <a:ea typeface="+mn-ea"/>
+                <a:cs typeface="+mn-cs"/>
+              </a:defRPr>
+            </a:lvl8pPr>
+            <a:lvl9pPr marL="3886200" indent="-228600" algn="l" defTabSz="457200" rtl="0" eaLnBrk="1" latinLnBrk="0" hangingPunct="1">
+              <a:spcBef>
+                <a:spcPct val="20000"/>
+              </a:spcBef>
+              <a:buFont typeface="Arial"/>
+              <a:buChar char="•"/>
+              <a:defRPr sz="2000" kern="1200">
+                <a:solidFill>
+                  <a:schemeClr val="tx1"/>
+                </a:solidFill>
+                <a:latin typeface="+mn-lt"/>
+                <a:ea typeface="+mn-ea"/>
+                <a:cs typeface="+mn-cs"/>
+              </a:defRPr>
+            </a:lvl9pPr>
+          </a:lstStyle>
+          <a:p>
+            <a:pPr algn="ctr"/>
+            <a:r>
+              <a:rPr lang="en-US" b="1" dirty="0">
+                <a:solidFill>
+                  <a:schemeClr val="tx1">
+                    <a:lumMod val="20000"/>
+                    <a:lumOff val="80000"/>
+                  </a:schemeClr>
+                </a:solidFill>
+              </a:rPr>
+              <a:t>Optimizer</a:t>
+            </a:r>
+          </a:p>
+          <a:p>
+            <a:pPr algn="ctr"/>
+            <a:endParaRPr lang="en-US" dirty="0"/>
+          </a:p>
+          <a:p>
+            <a:pPr algn="ctr"/>
+            <a:r>
+              <a:rPr lang="en-US" dirty="0"/>
+              <a:t>Performance: </a:t>
+            </a:r>
+          </a:p>
+          <a:p>
+            <a:pPr algn="ctr"/>
+            <a:r>
+              <a:rPr lang="en-US" dirty="0"/>
+              <a:t>Time to accuracy</a:t>
+            </a:r>
+          </a:p>
+          <a:p>
+            <a:pPr algn="ctr"/>
+            <a:endParaRPr lang="en-US" dirty="0"/>
+          </a:p>
+        </p:txBody>
+      </p:sp>
+      <p:pic>
+        <p:nvPicPr>
+          <p:cNvPr id="4" name="Picture 3">
+            <a:extLst>
+              <a:ext uri="{FF2B5EF4-FFF2-40B4-BE49-F238E27FC236}">
+                <a16:creationId xmlns:a16="http://schemas.microsoft.com/office/drawing/2014/main" id="{0AD6BB19-282E-9E4F-A05A-61B4EE7EF91F}"/>
+              </a:ext>
+            </a:extLst>
+          </p:cNvPr>
+          <p:cNvPicPr>
+            <a:picLocks noChangeAspect="1"/>
+          </p:cNvPicPr>
+          <p:nvPr/>
+        </p:nvPicPr>
+        <p:blipFill>
+          <a:blip r:embed="rId2"/>
+          <a:stretch>
+            <a:fillRect/>
+          </a:stretch>
+        </p:blipFill>
+        <p:spPr>
+          <a:xfrm>
+            <a:off x="3981229" y="-9208"/>
+            <a:ext cx="5162771" cy="5152708"/>
+          </a:xfrm>
+          <a:prstGeom prst="rect">
+            <a:avLst/>
+          </a:prstGeom>
+        </p:spPr>
+      </p:pic>
+    </p:spTree>
+    <p:extLst>
+      <p:ext uri="{BB962C8B-B14F-4D97-AF65-F5344CB8AC3E}">
+        <p14:creationId xmlns:p14="http://schemas.microsoft.com/office/powerpoint/2010/main" val="2142889739"/>
+      </p:ext>
+    </p:extLst>
+  </p:cSld>
+  <p:clrMapOvr>
+    <a:masterClrMapping/>
+  </p:clrMapOvr>
+</p:sld>
+</file>
+
+<file path=ppt/slides/slide16.xml><?xml version="1.0" encoding="utf-8"?>
+<p:sld xmlns:a="http://schemas.openxmlformats.org/drawingml/2006/main" xmlns:r="http://schemas.openxmlformats.org/officeDocument/2006/relationships" xmlns:p="http://schemas.openxmlformats.org/presentationml/2006/main">
+  <p:cSld>
+    <p:spTree>
+      <p:nvGrpSpPr>
+        <p:cNvPr id="1" name=""/>
+        <p:cNvGrpSpPr/>
+        <p:nvPr/>
+      </p:nvGrpSpPr>
+      <p:grpSpPr>
+        <a:xfrm>
+          <a:off x="0" y="0"/>
+          <a:ext cx="0" cy="0"/>
+          <a:chOff x="0" y="0"/>
+          <a:chExt cx="0" cy="0"/>
+        </a:xfrm>
+      </p:grpSpPr>
+      <p:sp>
+        <p:nvSpPr>
+          <p:cNvPr id="3" name="Content Placeholder 2">
+            <a:extLst>
+              <a:ext uri="{FF2B5EF4-FFF2-40B4-BE49-F238E27FC236}">
+                <a16:creationId xmlns:a16="http://schemas.microsoft.com/office/drawing/2014/main" id="{8BBFC114-F6F9-AF45-A139-6F55B149E3E6}"/>
+              </a:ext>
+            </a:extLst>
+          </p:cNvPr>
+          <p:cNvSpPr txBox="1">
+            <a:spLocks/>
+          </p:cNvSpPr>
+          <p:nvPr/>
+        </p:nvSpPr>
+        <p:spPr>
+          <a:xfrm>
+            <a:off x="563617" y="618309"/>
+            <a:ext cx="8205304" cy="3553926"/>
+          </a:xfrm>
+          <a:prstGeom prst="rect">
+            <a:avLst/>
+          </a:prstGeom>
+        </p:spPr>
+        <p:txBody>
+          <a:bodyPr anchor="ctr"/>
+          <a:lstStyle>
+            <a:lvl1pPr marL="0" indent="0" algn="l" defTabSz="457200" rtl="0" eaLnBrk="1" latinLnBrk="0" hangingPunct="1">
+              <a:spcBef>
+                <a:spcPct val="20000"/>
+              </a:spcBef>
+              <a:buFontTx/>
+              <a:buNone/>
+              <a:defRPr sz="2400" b="0" i="0" kern="1200">
+                <a:solidFill>
+                  <a:schemeClr val="bg1"/>
+                </a:solidFill>
+                <a:latin typeface="Amazon Ember Regular" charset="0"/>
+                <a:ea typeface="+mn-ea"/>
+                <a:cs typeface="Amazon Ember Regular" charset="0"/>
+              </a:defRPr>
+            </a:lvl1pPr>
+            <a:lvl2pPr marL="742950" indent="-285750" algn="l" defTabSz="457200" rtl="0" eaLnBrk="1" latinLnBrk="0" hangingPunct="1">
+              <a:spcBef>
+                <a:spcPct val="20000"/>
+              </a:spcBef>
+              <a:buFont typeface="Arial"/>
+              <a:buChar char="•"/>
+              <a:defRPr sz="2000" b="0" i="0" kern="1200">
+                <a:solidFill>
+                  <a:schemeClr val="bg1"/>
+                </a:solidFill>
+                <a:latin typeface="Amazon Ember Regular" charset="0"/>
+                <a:ea typeface="+mn-ea"/>
+                <a:cs typeface="Amazon Ember Regular" charset="0"/>
+              </a:defRPr>
+            </a:lvl2pPr>
+            <a:lvl3pPr marL="1143000" indent="-228600" algn="l" defTabSz="457200" rtl="0" eaLnBrk="1" latinLnBrk="0" hangingPunct="1">
+              <a:spcBef>
+                <a:spcPct val="20000"/>
+              </a:spcBef>
+              <a:buFont typeface="Arial"/>
+              <a:buChar char="•"/>
+              <a:defRPr sz="1800" b="0" i="0" kern="1200">
+                <a:solidFill>
+                  <a:schemeClr val="bg1"/>
+                </a:solidFill>
+                <a:latin typeface="Amazon Ember Regular" charset="0"/>
+                <a:ea typeface="+mn-ea"/>
+                <a:cs typeface="Amazon Ember Regular" charset="0"/>
+              </a:defRPr>
+            </a:lvl3pPr>
+            <a:lvl4pPr marL="1600200" indent="-228600" algn="l" defTabSz="457200" rtl="0" eaLnBrk="1" latinLnBrk="0" hangingPunct="1">
+              <a:spcBef>
+                <a:spcPct val="20000"/>
+              </a:spcBef>
+              <a:buFont typeface="Arial"/>
+              <a:buChar char="–"/>
+              <a:defRPr sz="1600" b="0" i="0" kern="1200">
+                <a:solidFill>
+                  <a:schemeClr val="bg1"/>
+                </a:solidFill>
+                <a:latin typeface="Amazon Ember Regular" charset="0"/>
+                <a:ea typeface="+mn-ea"/>
+                <a:cs typeface="Amazon Ember Regular" charset="0"/>
+              </a:defRPr>
+            </a:lvl4pPr>
+            <a:lvl5pPr marL="2057400" indent="-228600" algn="l" defTabSz="457200" rtl="0" eaLnBrk="1" latinLnBrk="0" hangingPunct="1">
+              <a:spcBef>
+                <a:spcPct val="20000"/>
+              </a:spcBef>
+              <a:buFont typeface="Arial"/>
+              <a:buChar char="»"/>
+              <a:defRPr sz="1600" b="0" i="0" kern="1200">
+                <a:solidFill>
+                  <a:schemeClr val="bg1"/>
+                </a:solidFill>
+                <a:latin typeface="Amazon Ember Regular" charset="0"/>
+                <a:ea typeface="+mn-ea"/>
+                <a:cs typeface="Amazon Ember Regular" charset="0"/>
+              </a:defRPr>
+            </a:lvl5pPr>
+            <a:lvl6pPr marL="2514600" indent="-228600" algn="l" defTabSz="457200" rtl="0" eaLnBrk="1" latinLnBrk="0" hangingPunct="1">
+              <a:spcBef>
+                <a:spcPct val="20000"/>
+              </a:spcBef>
+              <a:buFont typeface="Arial"/>
+              <a:buChar char="•"/>
+              <a:defRPr sz="2000" kern="1200">
+                <a:solidFill>
+                  <a:schemeClr val="tx1"/>
+                </a:solidFill>
+                <a:latin typeface="+mn-lt"/>
+                <a:ea typeface="+mn-ea"/>
+                <a:cs typeface="+mn-cs"/>
+              </a:defRPr>
+            </a:lvl6pPr>
+            <a:lvl7pPr marL="2971800" indent="-228600" algn="l" defTabSz="457200" rtl="0" eaLnBrk="1" latinLnBrk="0" hangingPunct="1">
+              <a:spcBef>
+                <a:spcPct val="20000"/>
+              </a:spcBef>
+              <a:buFont typeface="Arial"/>
+              <a:buChar char="•"/>
+              <a:defRPr sz="2000" kern="1200">
+                <a:solidFill>
+                  <a:schemeClr val="tx1"/>
+                </a:solidFill>
+                <a:latin typeface="+mn-lt"/>
+                <a:ea typeface="+mn-ea"/>
+                <a:cs typeface="+mn-cs"/>
+              </a:defRPr>
+            </a:lvl7pPr>
+            <a:lvl8pPr marL="3429000" indent="-228600" algn="l" defTabSz="457200" rtl="0" eaLnBrk="1" latinLnBrk="0" hangingPunct="1">
+              <a:spcBef>
+                <a:spcPct val="20000"/>
+              </a:spcBef>
+              <a:buFont typeface="Arial"/>
+              <a:buChar char="•"/>
+              <a:defRPr sz="2000" kern="1200">
+                <a:solidFill>
+                  <a:schemeClr val="tx1"/>
+                </a:solidFill>
+                <a:latin typeface="+mn-lt"/>
+                <a:ea typeface="+mn-ea"/>
+                <a:cs typeface="+mn-cs"/>
+              </a:defRPr>
+            </a:lvl8pPr>
+            <a:lvl9pPr marL="3886200" indent="-228600" algn="l" defTabSz="457200" rtl="0" eaLnBrk="1" latinLnBrk="0" hangingPunct="1">
+              <a:spcBef>
+                <a:spcPct val="20000"/>
+              </a:spcBef>
+              <a:buFont typeface="Arial"/>
+              <a:buChar char="•"/>
+              <a:defRPr sz="2000" kern="1200">
+                <a:solidFill>
+                  <a:schemeClr val="tx1"/>
+                </a:solidFill>
+                <a:latin typeface="+mn-lt"/>
+                <a:ea typeface="+mn-ea"/>
+                <a:cs typeface="+mn-cs"/>
+              </a:defRPr>
+            </a:lvl9pPr>
+          </a:lstStyle>
+          <a:p>
+            <a:pPr algn="ctr"/>
+            <a:r>
               <a:rPr lang="en-US" dirty="0"/>
               <a:t> GPU → CPU </a:t>
             </a:r>
@@ -5901,7 +6913,7 @@
 </p:sld>
 </file>
 
-<file path=ppt/slides/slide13.xml><?xml version="1.0" encoding="utf-8"?>
+<file path=ppt/slides/slide17.xml><?xml version="1.0" encoding="utf-8"?>
 <p:sld xmlns:a="http://schemas.openxmlformats.org/drawingml/2006/main" xmlns:r="http://schemas.openxmlformats.org/officeDocument/2006/relationships" xmlns:p="http://schemas.openxmlformats.org/presentationml/2006/main">
   <p:cSld>
     <p:spTree>
@@ -8206,7 +9218,7 @@
 </p:sld>
 </file>
 
-<file path=ppt/slides/slide14.xml><?xml version="1.0" encoding="utf-8"?>
+<file path=ppt/slides/slide18.xml><?xml version="1.0" encoding="utf-8"?>
 <p:sld xmlns:a="http://schemas.openxmlformats.org/drawingml/2006/main" xmlns:r="http://schemas.openxmlformats.org/officeDocument/2006/relationships" xmlns:p="http://schemas.openxmlformats.org/presentationml/2006/main">
   <p:cSld>
     <p:spTree>
@@ -8390,757 +9402,6 @@
             <a:r>
               <a:rPr lang="en-US" b="1" dirty="0">
                 <a:solidFill>
-                  <a:schemeClr val="tx1">
-                    <a:lumMod val="20000"/>
-                    <a:lumOff val="80000"/>
-                  </a:schemeClr>
-                </a:solidFill>
-              </a:rPr>
-              <a:t>Execution engine</a:t>
-            </a:r>
-          </a:p>
-          <a:p>
-            <a:pPr algn="ctr"/>
-            <a:endParaRPr lang="en-US" dirty="0"/>
-          </a:p>
-          <a:p>
-            <a:pPr algn="ctr"/>
-            <a:r>
-              <a:rPr lang="en-US" dirty="0"/>
-              <a:t>Imperative → Symbolic  </a:t>
-            </a:r>
-            <a:r>
-              <a:rPr lang="en-US" dirty="0">
-                <a:solidFill>
-                  <a:srgbClr val="FF0000"/>
-                </a:solidFill>
-              </a:rPr>
-              <a:t>(2.41x)</a:t>
-            </a:r>
-          </a:p>
-          <a:p>
-            <a:pPr algn="ctr"/>
-            <a:endParaRPr lang="en-US" dirty="0"/>
-          </a:p>
-          <a:p>
-            <a:pPr algn="ctr"/>
-            <a:r>
-              <a:rPr lang="en-US" dirty="0" err="1">
-                <a:solidFill>
-                  <a:schemeClr val="bg1">
-                    <a:lumMod val="75000"/>
-                  </a:schemeClr>
-                </a:solidFill>
-                <a:latin typeface="Courier" pitchFamily="2" charset="0"/>
-              </a:rPr>
-              <a:t>net.hybridize</a:t>
-            </a:r>
-            <a:r>
-              <a:rPr lang="en-US" dirty="0">
-                <a:solidFill>
-                  <a:schemeClr val="bg1">
-                    <a:lumMod val="75000"/>
-                  </a:schemeClr>
-                </a:solidFill>
-                <a:latin typeface="Courier" pitchFamily="2" charset="0"/>
-              </a:rPr>
-              <a:t>()</a:t>
-            </a:r>
-          </a:p>
-        </p:txBody>
-      </p:sp>
-    </p:spTree>
-    <p:extLst>
-      <p:ext uri="{BB962C8B-B14F-4D97-AF65-F5344CB8AC3E}">
-        <p14:creationId xmlns:p14="http://schemas.microsoft.com/office/powerpoint/2010/main" val="3081296414"/>
-      </p:ext>
-    </p:extLst>
-  </p:cSld>
-  <p:clrMapOvr>
-    <a:masterClrMapping/>
-  </p:clrMapOvr>
-</p:sld>
-</file>
-
-<file path=ppt/slides/slide15.xml><?xml version="1.0" encoding="utf-8"?>
-<p:sld xmlns:a="http://schemas.openxmlformats.org/drawingml/2006/main" xmlns:r="http://schemas.openxmlformats.org/officeDocument/2006/relationships" xmlns:p="http://schemas.openxmlformats.org/presentationml/2006/main">
-  <p:cSld>
-    <p:spTree>
-      <p:nvGrpSpPr>
-        <p:cNvPr id="1" name=""/>
-        <p:cNvGrpSpPr/>
-        <p:nvPr/>
-      </p:nvGrpSpPr>
-      <p:grpSpPr>
-        <a:xfrm>
-          <a:off x="0" y="0"/>
-          <a:ext cx="0" cy="0"/>
-          <a:chOff x="0" y="0"/>
-          <a:chExt cx="0" cy="0"/>
-        </a:xfrm>
-      </p:grpSpPr>
-      <p:sp>
-        <p:nvSpPr>
-          <p:cNvPr id="3" name="Content Placeholder 2">
-            <a:extLst>
-              <a:ext uri="{FF2B5EF4-FFF2-40B4-BE49-F238E27FC236}">
-                <a16:creationId xmlns:a16="http://schemas.microsoft.com/office/drawing/2014/main" id="{8BBFC114-F6F9-AF45-A139-6F55B149E3E6}"/>
-              </a:ext>
-            </a:extLst>
-          </p:cNvPr>
-          <p:cNvSpPr txBox="1">
-            <a:spLocks/>
-          </p:cNvSpPr>
-          <p:nvPr/>
-        </p:nvSpPr>
-        <p:spPr>
-          <a:xfrm>
-            <a:off x="691633" y="691461"/>
-            <a:ext cx="8205304" cy="3553926"/>
-          </a:xfrm>
-          <a:prstGeom prst="rect">
-            <a:avLst/>
-          </a:prstGeom>
-        </p:spPr>
-        <p:txBody>
-          <a:bodyPr anchor="ctr"/>
-          <a:lstStyle>
-            <a:lvl1pPr marL="0" indent="0" algn="l" defTabSz="457200" rtl="0" eaLnBrk="1" latinLnBrk="0" hangingPunct="1">
-              <a:spcBef>
-                <a:spcPct val="20000"/>
-              </a:spcBef>
-              <a:buFontTx/>
-              <a:buNone/>
-              <a:defRPr sz="2400" b="0" i="0" kern="1200">
-                <a:solidFill>
-                  <a:schemeClr val="bg1"/>
-                </a:solidFill>
-                <a:latin typeface="Amazon Ember Regular" charset="0"/>
-                <a:ea typeface="+mn-ea"/>
-                <a:cs typeface="Amazon Ember Regular" charset="0"/>
-              </a:defRPr>
-            </a:lvl1pPr>
-            <a:lvl2pPr marL="742950" indent="-285750" algn="l" defTabSz="457200" rtl="0" eaLnBrk="1" latinLnBrk="0" hangingPunct="1">
-              <a:spcBef>
-                <a:spcPct val="20000"/>
-              </a:spcBef>
-              <a:buFont typeface="Arial"/>
-              <a:buChar char="•"/>
-              <a:defRPr sz="2000" b="0" i="0" kern="1200">
-                <a:solidFill>
-                  <a:schemeClr val="bg1"/>
-                </a:solidFill>
-                <a:latin typeface="Amazon Ember Regular" charset="0"/>
-                <a:ea typeface="+mn-ea"/>
-                <a:cs typeface="Amazon Ember Regular" charset="0"/>
-              </a:defRPr>
-            </a:lvl2pPr>
-            <a:lvl3pPr marL="1143000" indent="-228600" algn="l" defTabSz="457200" rtl="0" eaLnBrk="1" latinLnBrk="0" hangingPunct="1">
-              <a:spcBef>
-                <a:spcPct val="20000"/>
-              </a:spcBef>
-              <a:buFont typeface="Arial"/>
-              <a:buChar char="•"/>
-              <a:defRPr sz="1800" b="0" i="0" kern="1200">
-                <a:solidFill>
-                  <a:schemeClr val="bg1"/>
-                </a:solidFill>
-                <a:latin typeface="Amazon Ember Regular" charset="0"/>
-                <a:ea typeface="+mn-ea"/>
-                <a:cs typeface="Amazon Ember Regular" charset="0"/>
-              </a:defRPr>
-            </a:lvl3pPr>
-            <a:lvl4pPr marL="1600200" indent="-228600" algn="l" defTabSz="457200" rtl="0" eaLnBrk="1" latinLnBrk="0" hangingPunct="1">
-              <a:spcBef>
-                <a:spcPct val="20000"/>
-              </a:spcBef>
-              <a:buFont typeface="Arial"/>
-              <a:buChar char="–"/>
-              <a:defRPr sz="1600" b="0" i="0" kern="1200">
-                <a:solidFill>
-                  <a:schemeClr val="bg1"/>
-                </a:solidFill>
-                <a:latin typeface="Amazon Ember Regular" charset="0"/>
-                <a:ea typeface="+mn-ea"/>
-                <a:cs typeface="Amazon Ember Regular" charset="0"/>
-              </a:defRPr>
-            </a:lvl4pPr>
-            <a:lvl5pPr marL="2057400" indent="-228600" algn="l" defTabSz="457200" rtl="0" eaLnBrk="1" latinLnBrk="0" hangingPunct="1">
-              <a:spcBef>
-                <a:spcPct val="20000"/>
-              </a:spcBef>
-              <a:buFont typeface="Arial"/>
-              <a:buChar char="»"/>
-              <a:defRPr sz="1600" b="0" i="0" kern="1200">
-                <a:solidFill>
-                  <a:schemeClr val="bg1"/>
-                </a:solidFill>
-                <a:latin typeface="Amazon Ember Regular" charset="0"/>
-                <a:ea typeface="+mn-ea"/>
-                <a:cs typeface="Amazon Ember Regular" charset="0"/>
-              </a:defRPr>
-            </a:lvl5pPr>
-            <a:lvl6pPr marL="2514600" indent="-228600" algn="l" defTabSz="457200" rtl="0" eaLnBrk="1" latinLnBrk="0" hangingPunct="1">
-              <a:spcBef>
-                <a:spcPct val="20000"/>
-              </a:spcBef>
-              <a:buFont typeface="Arial"/>
-              <a:buChar char="•"/>
-              <a:defRPr sz="2000" kern="1200">
-                <a:solidFill>
-                  <a:schemeClr val="tx1"/>
-                </a:solidFill>
-                <a:latin typeface="+mn-lt"/>
-                <a:ea typeface="+mn-ea"/>
-                <a:cs typeface="+mn-cs"/>
-              </a:defRPr>
-            </a:lvl6pPr>
-            <a:lvl7pPr marL="2971800" indent="-228600" algn="l" defTabSz="457200" rtl="0" eaLnBrk="1" latinLnBrk="0" hangingPunct="1">
-              <a:spcBef>
-                <a:spcPct val="20000"/>
-              </a:spcBef>
-              <a:buFont typeface="Arial"/>
-              <a:buChar char="•"/>
-              <a:defRPr sz="2000" kern="1200">
-                <a:solidFill>
-                  <a:schemeClr val="tx1"/>
-                </a:solidFill>
-                <a:latin typeface="+mn-lt"/>
-                <a:ea typeface="+mn-ea"/>
-                <a:cs typeface="+mn-cs"/>
-              </a:defRPr>
-            </a:lvl7pPr>
-            <a:lvl8pPr marL="3429000" indent="-228600" algn="l" defTabSz="457200" rtl="0" eaLnBrk="1" latinLnBrk="0" hangingPunct="1">
-              <a:spcBef>
-                <a:spcPct val="20000"/>
-              </a:spcBef>
-              <a:buFont typeface="Arial"/>
-              <a:buChar char="•"/>
-              <a:defRPr sz="2000" kern="1200">
-                <a:solidFill>
-                  <a:schemeClr val="tx1"/>
-                </a:solidFill>
-                <a:latin typeface="+mn-lt"/>
-                <a:ea typeface="+mn-ea"/>
-                <a:cs typeface="+mn-cs"/>
-              </a:defRPr>
-            </a:lvl8pPr>
-            <a:lvl9pPr marL="3886200" indent="-228600" algn="l" defTabSz="457200" rtl="0" eaLnBrk="1" latinLnBrk="0" hangingPunct="1">
-              <a:spcBef>
-                <a:spcPct val="20000"/>
-              </a:spcBef>
-              <a:buFont typeface="Arial"/>
-              <a:buChar char="•"/>
-              <a:defRPr sz="2000" kern="1200">
-                <a:solidFill>
-                  <a:schemeClr val="tx1"/>
-                </a:solidFill>
-                <a:latin typeface="+mn-lt"/>
-                <a:ea typeface="+mn-ea"/>
-                <a:cs typeface="+mn-cs"/>
-              </a:defRPr>
-            </a:lvl9pPr>
-          </a:lstStyle>
-          <a:p>
-            <a:pPr algn="ctr"/>
-            <a:r>
-              <a:rPr lang="en-US" b="1" dirty="0">
-                <a:solidFill>
-                  <a:schemeClr val="tx1">
-                    <a:lumMod val="20000"/>
-                    <a:lumOff val="80000"/>
-                  </a:schemeClr>
-                </a:solidFill>
-              </a:rPr>
-              <a:t>Hyperparameters</a:t>
-            </a:r>
-          </a:p>
-          <a:p>
-            <a:pPr algn="ctr"/>
-            <a:endParaRPr lang="en-US" dirty="0"/>
-          </a:p>
-          <a:p>
-            <a:pPr algn="ctr"/>
-            <a:r>
-              <a:rPr lang="en-US" dirty="0" err="1"/>
-              <a:t>Batchsize</a:t>
-            </a:r>
-            <a:r>
-              <a:rPr lang="en-US" dirty="0"/>
-              <a:t>  </a:t>
-            </a:r>
-            <a:r>
-              <a:rPr lang="en-US" dirty="0">
-                <a:solidFill>
-                  <a:srgbClr val="FF0000"/>
-                </a:solidFill>
-              </a:rPr>
-              <a:t>(2.56x)</a:t>
-            </a:r>
-          </a:p>
-          <a:p>
-            <a:pPr algn="ctr"/>
-            <a:endParaRPr lang="en-US" dirty="0"/>
-          </a:p>
-        </p:txBody>
-      </p:sp>
-    </p:spTree>
-    <p:extLst>
-      <p:ext uri="{BB962C8B-B14F-4D97-AF65-F5344CB8AC3E}">
-        <p14:creationId xmlns:p14="http://schemas.microsoft.com/office/powerpoint/2010/main" val="361582982"/>
-      </p:ext>
-    </p:extLst>
-  </p:cSld>
-  <p:clrMapOvr>
-    <a:masterClrMapping/>
-  </p:clrMapOvr>
-</p:sld>
-</file>
-
-<file path=ppt/slides/slide16.xml><?xml version="1.0" encoding="utf-8"?>
-<p:sld xmlns:a="http://schemas.openxmlformats.org/drawingml/2006/main" xmlns:r="http://schemas.openxmlformats.org/officeDocument/2006/relationships" xmlns:p="http://schemas.openxmlformats.org/presentationml/2006/main">
-  <p:cSld>
-    <p:spTree>
-      <p:nvGrpSpPr>
-        <p:cNvPr id="1" name=""/>
-        <p:cNvGrpSpPr/>
-        <p:nvPr/>
-      </p:nvGrpSpPr>
-      <p:grpSpPr>
-        <a:xfrm>
-          <a:off x="0" y="0"/>
-          <a:ext cx="0" cy="0"/>
-          <a:chOff x="0" y="0"/>
-          <a:chExt cx="0" cy="0"/>
-        </a:xfrm>
-      </p:grpSpPr>
-      <p:sp>
-        <p:nvSpPr>
-          <p:cNvPr id="3" name="Content Placeholder 2">
-            <a:extLst>
-              <a:ext uri="{FF2B5EF4-FFF2-40B4-BE49-F238E27FC236}">
-                <a16:creationId xmlns:a16="http://schemas.microsoft.com/office/drawing/2014/main" id="{A95AABEF-8F4A-2143-AFAA-B1DC06C24361}"/>
-              </a:ext>
-            </a:extLst>
-          </p:cNvPr>
-          <p:cNvSpPr txBox="1">
-            <a:spLocks/>
-          </p:cNvSpPr>
-          <p:nvPr/>
-        </p:nvSpPr>
-        <p:spPr>
-          <a:xfrm>
-            <a:off x="-2124719" y="600021"/>
-            <a:ext cx="8205304" cy="3553926"/>
-          </a:xfrm>
-          <a:prstGeom prst="rect">
-            <a:avLst/>
-          </a:prstGeom>
-        </p:spPr>
-        <p:txBody>
-          <a:bodyPr anchor="ctr"/>
-          <a:lstStyle>
-            <a:lvl1pPr marL="0" indent="0" algn="l" defTabSz="457200" rtl="0" eaLnBrk="1" latinLnBrk="0" hangingPunct="1">
-              <a:spcBef>
-                <a:spcPct val="20000"/>
-              </a:spcBef>
-              <a:buFontTx/>
-              <a:buNone/>
-              <a:defRPr sz="2400" b="0" i="0" kern="1200">
-                <a:solidFill>
-                  <a:schemeClr val="bg1"/>
-                </a:solidFill>
-                <a:latin typeface="Amazon Ember Regular" charset="0"/>
-                <a:ea typeface="+mn-ea"/>
-                <a:cs typeface="Amazon Ember Regular" charset="0"/>
-              </a:defRPr>
-            </a:lvl1pPr>
-            <a:lvl2pPr marL="742950" indent="-285750" algn="l" defTabSz="457200" rtl="0" eaLnBrk="1" latinLnBrk="0" hangingPunct="1">
-              <a:spcBef>
-                <a:spcPct val="20000"/>
-              </a:spcBef>
-              <a:buFont typeface="Arial"/>
-              <a:buChar char="•"/>
-              <a:defRPr sz="2000" b="0" i="0" kern="1200">
-                <a:solidFill>
-                  <a:schemeClr val="bg1"/>
-                </a:solidFill>
-                <a:latin typeface="Amazon Ember Regular" charset="0"/>
-                <a:ea typeface="+mn-ea"/>
-                <a:cs typeface="Amazon Ember Regular" charset="0"/>
-              </a:defRPr>
-            </a:lvl2pPr>
-            <a:lvl3pPr marL="1143000" indent="-228600" algn="l" defTabSz="457200" rtl="0" eaLnBrk="1" latinLnBrk="0" hangingPunct="1">
-              <a:spcBef>
-                <a:spcPct val="20000"/>
-              </a:spcBef>
-              <a:buFont typeface="Arial"/>
-              <a:buChar char="•"/>
-              <a:defRPr sz="1800" b="0" i="0" kern="1200">
-                <a:solidFill>
-                  <a:schemeClr val="bg1"/>
-                </a:solidFill>
-                <a:latin typeface="Amazon Ember Regular" charset="0"/>
-                <a:ea typeface="+mn-ea"/>
-                <a:cs typeface="Amazon Ember Regular" charset="0"/>
-              </a:defRPr>
-            </a:lvl3pPr>
-            <a:lvl4pPr marL="1600200" indent="-228600" algn="l" defTabSz="457200" rtl="0" eaLnBrk="1" latinLnBrk="0" hangingPunct="1">
-              <a:spcBef>
-                <a:spcPct val="20000"/>
-              </a:spcBef>
-              <a:buFont typeface="Arial"/>
-              <a:buChar char="–"/>
-              <a:defRPr sz="1600" b="0" i="0" kern="1200">
-                <a:solidFill>
-                  <a:schemeClr val="bg1"/>
-                </a:solidFill>
-                <a:latin typeface="Amazon Ember Regular" charset="0"/>
-                <a:ea typeface="+mn-ea"/>
-                <a:cs typeface="Amazon Ember Regular" charset="0"/>
-              </a:defRPr>
-            </a:lvl4pPr>
-            <a:lvl5pPr marL="2057400" indent="-228600" algn="l" defTabSz="457200" rtl="0" eaLnBrk="1" latinLnBrk="0" hangingPunct="1">
-              <a:spcBef>
-                <a:spcPct val="20000"/>
-              </a:spcBef>
-              <a:buFont typeface="Arial"/>
-              <a:buChar char="»"/>
-              <a:defRPr sz="1600" b="0" i="0" kern="1200">
-                <a:solidFill>
-                  <a:schemeClr val="bg1"/>
-                </a:solidFill>
-                <a:latin typeface="Amazon Ember Regular" charset="0"/>
-                <a:ea typeface="+mn-ea"/>
-                <a:cs typeface="Amazon Ember Regular" charset="0"/>
-              </a:defRPr>
-            </a:lvl5pPr>
-            <a:lvl6pPr marL="2514600" indent="-228600" algn="l" defTabSz="457200" rtl="0" eaLnBrk="1" latinLnBrk="0" hangingPunct="1">
-              <a:spcBef>
-                <a:spcPct val="20000"/>
-              </a:spcBef>
-              <a:buFont typeface="Arial"/>
-              <a:buChar char="•"/>
-              <a:defRPr sz="2000" kern="1200">
-                <a:solidFill>
-                  <a:schemeClr val="tx1"/>
-                </a:solidFill>
-                <a:latin typeface="+mn-lt"/>
-                <a:ea typeface="+mn-ea"/>
-                <a:cs typeface="+mn-cs"/>
-              </a:defRPr>
-            </a:lvl6pPr>
-            <a:lvl7pPr marL="2971800" indent="-228600" algn="l" defTabSz="457200" rtl="0" eaLnBrk="1" latinLnBrk="0" hangingPunct="1">
-              <a:spcBef>
-                <a:spcPct val="20000"/>
-              </a:spcBef>
-              <a:buFont typeface="Arial"/>
-              <a:buChar char="•"/>
-              <a:defRPr sz="2000" kern="1200">
-                <a:solidFill>
-                  <a:schemeClr val="tx1"/>
-                </a:solidFill>
-                <a:latin typeface="+mn-lt"/>
-                <a:ea typeface="+mn-ea"/>
-                <a:cs typeface="+mn-cs"/>
-              </a:defRPr>
-            </a:lvl7pPr>
-            <a:lvl8pPr marL="3429000" indent="-228600" algn="l" defTabSz="457200" rtl="0" eaLnBrk="1" latinLnBrk="0" hangingPunct="1">
-              <a:spcBef>
-                <a:spcPct val="20000"/>
-              </a:spcBef>
-              <a:buFont typeface="Arial"/>
-              <a:buChar char="•"/>
-              <a:defRPr sz="2000" kern="1200">
-                <a:solidFill>
-                  <a:schemeClr val="tx1"/>
-                </a:solidFill>
-                <a:latin typeface="+mn-lt"/>
-                <a:ea typeface="+mn-ea"/>
-                <a:cs typeface="+mn-cs"/>
-              </a:defRPr>
-            </a:lvl8pPr>
-            <a:lvl9pPr marL="3886200" indent="-228600" algn="l" defTabSz="457200" rtl="0" eaLnBrk="1" latinLnBrk="0" hangingPunct="1">
-              <a:spcBef>
-                <a:spcPct val="20000"/>
-              </a:spcBef>
-              <a:buFont typeface="Arial"/>
-              <a:buChar char="•"/>
-              <a:defRPr sz="2000" kern="1200">
-                <a:solidFill>
-                  <a:schemeClr val="tx1"/>
-                </a:solidFill>
-                <a:latin typeface="+mn-lt"/>
-                <a:ea typeface="+mn-ea"/>
-                <a:cs typeface="+mn-cs"/>
-              </a:defRPr>
-            </a:lvl9pPr>
-          </a:lstStyle>
-          <a:p>
-            <a:pPr algn="ctr"/>
-            <a:r>
-              <a:rPr lang="en-US" b="1" dirty="0">
-                <a:solidFill>
-                  <a:schemeClr val="tx1">
-                    <a:lumMod val="20000"/>
-                    <a:lumOff val="80000"/>
-                  </a:schemeClr>
-                </a:solidFill>
-              </a:rPr>
-              <a:t>Optimizer</a:t>
-            </a:r>
-          </a:p>
-          <a:p>
-            <a:pPr algn="ctr"/>
-            <a:endParaRPr lang="en-US" dirty="0"/>
-          </a:p>
-          <a:p>
-            <a:pPr algn="ctr"/>
-            <a:r>
-              <a:rPr lang="en-US" dirty="0"/>
-              <a:t>Performance: </a:t>
-            </a:r>
-          </a:p>
-          <a:p>
-            <a:pPr algn="ctr"/>
-            <a:r>
-              <a:rPr lang="en-US" dirty="0"/>
-              <a:t>Time to accuracy</a:t>
-            </a:r>
-          </a:p>
-          <a:p>
-            <a:pPr algn="ctr"/>
-            <a:endParaRPr lang="en-US" dirty="0"/>
-          </a:p>
-        </p:txBody>
-      </p:sp>
-      <p:pic>
-        <p:nvPicPr>
-          <p:cNvPr id="4" name="Picture 3">
-            <a:extLst>
-              <a:ext uri="{FF2B5EF4-FFF2-40B4-BE49-F238E27FC236}">
-                <a16:creationId xmlns:a16="http://schemas.microsoft.com/office/drawing/2014/main" id="{0AD6BB19-282E-9E4F-A05A-61B4EE7EF91F}"/>
-              </a:ext>
-            </a:extLst>
-          </p:cNvPr>
-          <p:cNvPicPr>
-            <a:picLocks noChangeAspect="1"/>
-          </p:cNvPicPr>
-          <p:nvPr/>
-        </p:nvPicPr>
-        <p:blipFill>
-          <a:blip r:embed="rId2"/>
-          <a:stretch>
-            <a:fillRect/>
-          </a:stretch>
-        </p:blipFill>
-        <p:spPr>
-          <a:xfrm>
-            <a:off x="3981229" y="-9208"/>
-            <a:ext cx="5162771" cy="5152708"/>
-          </a:xfrm>
-          <a:prstGeom prst="rect">
-            <a:avLst/>
-          </a:prstGeom>
-        </p:spPr>
-      </p:pic>
-    </p:spTree>
-    <p:extLst>
-      <p:ext uri="{BB962C8B-B14F-4D97-AF65-F5344CB8AC3E}">
-        <p14:creationId xmlns:p14="http://schemas.microsoft.com/office/powerpoint/2010/main" val="3333463232"/>
-      </p:ext>
-    </p:extLst>
-  </p:cSld>
-  <p:clrMapOvr>
-    <a:masterClrMapping/>
-  </p:clrMapOvr>
-</p:sld>
-</file>
-
-<file path=ppt/slides/slide17.xml><?xml version="1.0" encoding="utf-8"?>
-<p:sld xmlns:a="http://schemas.openxmlformats.org/drawingml/2006/main" xmlns:r="http://schemas.openxmlformats.org/officeDocument/2006/relationships" xmlns:p="http://schemas.openxmlformats.org/presentationml/2006/main">
-  <p:cSld>
-    <p:spTree>
-      <p:nvGrpSpPr>
-        <p:cNvPr id="1" name=""/>
-        <p:cNvGrpSpPr/>
-        <p:nvPr/>
-      </p:nvGrpSpPr>
-      <p:grpSpPr>
-        <a:xfrm>
-          <a:off x="0" y="0"/>
-          <a:ext cx="0" cy="0"/>
-          <a:chOff x="0" y="0"/>
-          <a:chExt cx="0" cy="0"/>
-        </a:xfrm>
-      </p:grpSpPr>
-      <p:sp>
-        <p:nvSpPr>
-          <p:cNvPr id="3" name="Content Placeholder 2">
-            <a:extLst>
-              <a:ext uri="{FF2B5EF4-FFF2-40B4-BE49-F238E27FC236}">
-                <a16:creationId xmlns:a16="http://schemas.microsoft.com/office/drawing/2014/main" id="{8BBFC114-F6F9-AF45-A139-6F55B149E3E6}"/>
-              </a:ext>
-            </a:extLst>
-          </p:cNvPr>
-          <p:cNvSpPr txBox="1">
-            <a:spLocks/>
-          </p:cNvSpPr>
-          <p:nvPr/>
-        </p:nvSpPr>
-        <p:spPr>
-          <a:xfrm>
-            <a:off x="563617" y="618309"/>
-            <a:ext cx="8205304" cy="3553926"/>
-          </a:xfrm>
-          <a:prstGeom prst="rect">
-            <a:avLst/>
-          </a:prstGeom>
-        </p:spPr>
-        <p:txBody>
-          <a:bodyPr anchor="ctr"/>
-          <a:lstStyle>
-            <a:lvl1pPr marL="0" indent="0" algn="l" defTabSz="457200" rtl="0" eaLnBrk="1" latinLnBrk="0" hangingPunct="1">
-              <a:spcBef>
-                <a:spcPct val="20000"/>
-              </a:spcBef>
-              <a:buFontTx/>
-              <a:buNone/>
-              <a:defRPr sz="2400" b="0" i="0" kern="1200">
-                <a:solidFill>
-                  <a:schemeClr val="bg1"/>
-                </a:solidFill>
-                <a:latin typeface="Amazon Ember Regular" charset="0"/>
-                <a:ea typeface="+mn-ea"/>
-                <a:cs typeface="Amazon Ember Regular" charset="0"/>
-              </a:defRPr>
-            </a:lvl1pPr>
-            <a:lvl2pPr marL="742950" indent="-285750" algn="l" defTabSz="457200" rtl="0" eaLnBrk="1" latinLnBrk="0" hangingPunct="1">
-              <a:spcBef>
-                <a:spcPct val="20000"/>
-              </a:spcBef>
-              <a:buFont typeface="Arial"/>
-              <a:buChar char="•"/>
-              <a:defRPr sz="2000" b="0" i="0" kern="1200">
-                <a:solidFill>
-                  <a:schemeClr val="bg1"/>
-                </a:solidFill>
-                <a:latin typeface="Amazon Ember Regular" charset="0"/>
-                <a:ea typeface="+mn-ea"/>
-                <a:cs typeface="Amazon Ember Regular" charset="0"/>
-              </a:defRPr>
-            </a:lvl2pPr>
-            <a:lvl3pPr marL="1143000" indent="-228600" algn="l" defTabSz="457200" rtl="0" eaLnBrk="1" latinLnBrk="0" hangingPunct="1">
-              <a:spcBef>
-                <a:spcPct val="20000"/>
-              </a:spcBef>
-              <a:buFont typeface="Arial"/>
-              <a:buChar char="•"/>
-              <a:defRPr sz="1800" b="0" i="0" kern="1200">
-                <a:solidFill>
-                  <a:schemeClr val="bg1"/>
-                </a:solidFill>
-                <a:latin typeface="Amazon Ember Regular" charset="0"/>
-                <a:ea typeface="+mn-ea"/>
-                <a:cs typeface="Amazon Ember Regular" charset="0"/>
-              </a:defRPr>
-            </a:lvl3pPr>
-            <a:lvl4pPr marL="1600200" indent="-228600" algn="l" defTabSz="457200" rtl="0" eaLnBrk="1" latinLnBrk="0" hangingPunct="1">
-              <a:spcBef>
-                <a:spcPct val="20000"/>
-              </a:spcBef>
-              <a:buFont typeface="Arial"/>
-              <a:buChar char="–"/>
-              <a:defRPr sz="1600" b="0" i="0" kern="1200">
-                <a:solidFill>
-                  <a:schemeClr val="bg1"/>
-                </a:solidFill>
-                <a:latin typeface="Amazon Ember Regular" charset="0"/>
-                <a:ea typeface="+mn-ea"/>
-                <a:cs typeface="Amazon Ember Regular" charset="0"/>
-              </a:defRPr>
-            </a:lvl4pPr>
-            <a:lvl5pPr marL="2057400" indent="-228600" algn="l" defTabSz="457200" rtl="0" eaLnBrk="1" latinLnBrk="0" hangingPunct="1">
-              <a:spcBef>
-                <a:spcPct val="20000"/>
-              </a:spcBef>
-              <a:buFont typeface="Arial"/>
-              <a:buChar char="»"/>
-              <a:defRPr sz="1600" b="0" i="0" kern="1200">
-                <a:solidFill>
-                  <a:schemeClr val="bg1"/>
-                </a:solidFill>
-                <a:latin typeface="Amazon Ember Regular" charset="0"/>
-                <a:ea typeface="+mn-ea"/>
-                <a:cs typeface="Amazon Ember Regular" charset="0"/>
-              </a:defRPr>
-            </a:lvl5pPr>
-            <a:lvl6pPr marL="2514600" indent="-228600" algn="l" defTabSz="457200" rtl="0" eaLnBrk="1" latinLnBrk="0" hangingPunct="1">
-              <a:spcBef>
-                <a:spcPct val="20000"/>
-              </a:spcBef>
-              <a:buFont typeface="Arial"/>
-              <a:buChar char="•"/>
-              <a:defRPr sz="2000" kern="1200">
-                <a:solidFill>
-                  <a:schemeClr val="tx1"/>
-                </a:solidFill>
-                <a:latin typeface="+mn-lt"/>
-                <a:ea typeface="+mn-ea"/>
-                <a:cs typeface="+mn-cs"/>
-              </a:defRPr>
-            </a:lvl6pPr>
-            <a:lvl7pPr marL="2971800" indent="-228600" algn="l" defTabSz="457200" rtl="0" eaLnBrk="1" latinLnBrk="0" hangingPunct="1">
-              <a:spcBef>
-                <a:spcPct val="20000"/>
-              </a:spcBef>
-              <a:buFont typeface="Arial"/>
-              <a:buChar char="•"/>
-              <a:defRPr sz="2000" kern="1200">
-                <a:solidFill>
-                  <a:schemeClr val="tx1"/>
-                </a:solidFill>
-                <a:latin typeface="+mn-lt"/>
-                <a:ea typeface="+mn-ea"/>
-                <a:cs typeface="+mn-cs"/>
-              </a:defRPr>
-            </a:lvl7pPr>
-            <a:lvl8pPr marL="3429000" indent="-228600" algn="l" defTabSz="457200" rtl="0" eaLnBrk="1" latinLnBrk="0" hangingPunct="1">
-              <a:spcBef>
-                <a:spcPct val="20000"/>
-              </a:spcBef>
-              <a:buFont typeface="Arial"/>
-              <a:buChar char="•"/>
-              <a:defRPr sz="2000" kern="1200">
-                <a:solidFill>
-                  <a:schemeClr val="tx1"/>
-                </a:solidFill>
-                <a:latin typeface="+mn-lt"/>
-                <a:ea typeface="+mn-ea"/>
-                <a:cs typeface="+mn-cs"/>
-              </a:defRPr>
-            </a:lvl8pPr>
-            <a:lvl9pPr marL="3886200" indent="-228600" algn="l" defTabSz="457200" rtl="0" eaLnBrk="1" latinLnBrk="0" hangingPunct="1">
-              <a:spcBef>
-                <a:spcPct val="20000"/>
-              </a:spcBef>
-              <a:buFont typeface="Arial"/>
-              <a:buChar char="•"/>
-              <a:defRPr sz="2000" kern="1200">
-                <a:solidFill>
-                  <a:schemeClr val="tx1"/>
-                </a:solidFill>
-                <a:latin typeface="+mn-lt"/>
-                <a:ea typeface="+mn-ea"/>
-                <a:cs typeface="+mn-cs"/>
-              </a:defRPr>
-            </a:lvl9pPr>
-          </a:lstStyle>
-          <a:p>
-            <a:pPr algn="ctr"/>
-            <a:r>
-              <a:rPr lang="en-US" b="1" dirty="0">
-                <a:solidFill>
                   <a:schemeClr val="accent3">
                     <a:lumMod val="20000"/>
                     <a:lumOff val="80000"/>
@@ -9217,7 +9478,7 @@
 </p:sld>
 </file>
 
-<file path=ppt/slides/slide18.xml><?xml version="1.0" encoding="utf-8"?>
+<file path=ppt/slides/slide19.xml><?xml version="1.0" encoding="utf-8"?>
 <p:sld xmlns:a="http://schemas.openxmlformats.org/drawingml/2006/main" xmlns:r="http://schemas.openxmlformats.org/officeDocument/2006/relationships" xmlns:p="http://schemas.openxmlformats.org/presentationml/2006/main">
   <p:cSld>
     <p:spTree>
@@ -11504,18 +11765,18 @@
 </file>
 
 <file path=customXml/item1.xml><?xml version="1.0" encoding="utf-8"?>
-<p:properties xmlns:p="http://schemas.microsoft.com/office/2006/metadata/properties" xmlns:xsi="http://www.w3.org/2001/XMLSchema-instance">
-  <documentManagement/>
-</p:properties>
-</file>
-
-<file path=customXml/item2.xml><?xml version="1.0" encoding="utf-8"?>
 <?mso-contentType ?>
 <FormTemplates xmlns="http://schemas.microsoft.com/sharepoint/v3/contenttype/forms">
   <Display>DocumentLibraryForm</Display>
   <Edit>DocumentLibraryForm</Edit>
   <New>DocumentLibraryForm</New>
 </FormTemplates>
+</file>
+
+<file path=customXml/item2.xml><?xml version="1.0" encoding="utf-8"?>
+<p:properties xmlns:p="http://schemas.microsoft.com/office/2006/metadata/properties" xmlns:xsi="http://www.w3.org/2001/XMLSchema-instance">
+  <documentManagement/>
+</p:properties>
 </file>
 
 <file path=customXml/item3.xml><?xml version="1.0" encoding="utf-8"?>
@@ -11633,6 +11894,14 @@
 </file>
 
 <file path=customXml/itemProps1.xml><?xml version="1.0" encoding="utf-8"?>
+<ds:datastoreItem xmlns:ds="http://schemas.openxmlformats.org/officeDocument/2006/customXml" ds:itemID="{705B35A6-8B52-46A5-AE45-B98C6459DC10}">
+  <ds:schemaRefs>
+    <ds:schemaRef ds:uri="http://schemas.microsoft.com/sharepoint/v3/contenttype/forms"/>
+  </ds:schemaRefs>
+</ds:datastoreItem>
+</file>
+
+<file path=customXml/itemProps2.xml><?xml version="1.0" encoding="utf-8"?>
 <ds:datastoreItem xmlns:ds="http://schemas.openxmlformats.org/officeDocument/2006/customXml" ds:itemID="{C597C89A-FD0C-431E-81F6-90225B937683}">
   <ds:schemaRefs>
     <ds:schemaRef ds:uri="http://schemas.microsoft.com/office/infopath/2007/PartnerControls"/>
@@ -11643,14 +11912,6 @@
     <ds:schemaRef ds:uri="http://purl.org/dc/terms/"/>
     <ds:schemaRef ds:uri="http://schemas.microsoft.com/office/2006/metadata/properties"/>
     <ds:schemaRef ds:uri="http://purl.org/dc/elements/1.1/"/>
-  </ds:schemaRefs>
-</ds:datastoreItem>
-</file>
-
-<file path=customXml/itemProps2.xml><?xml version="1.0" encoding="utf-8"?>
-<ds:datastoreItem xmlns:ds="http://schemas.openxmlformats.org/officeDocument/2006/customXml" ds:itemID="{705B35A6-8B52-46A5-AE45-B98C6459DC10}">
-  <ds:schemaRefs>
-    <ds:schemaRef ds:uri="http://schemas.microsoft.com/sharepoint/v3/contenttype/forms"/>
   </ds:schemaRefs>
 </ds:datastoreItem>
 </file>
